--- a/content/maxwell1_fundamentals/fundamental_laws/images/BC.pptx
+++ b/content/maxwell1_fundamentals/fundamental_laws/images/BC.pptx
@@ -8,6 +8,9 @@
     <p:sldId id="256" r:id="rId2"/>
     <p:sldId id="257" r:id="rId3"/>
     <p:sldId id="258" r:id="rId4"/>
+    <p:sldId id="261" r:id="rId5"/>
+    <p:sldId id="260" r:id="rId6"/>
+    <p:sldId id="259" r:id="rId7"/>
   </p:sldIdLst>
   <p:sldSz cx="9144000" cy="6858000" type="screen4x3"/>
   <p:notesSz cx="6858000" cy="9144000"/>
@@ -118,6 +121,9 @@
           <p14:sldIdLst>
             <p14:sldId id="257"/>
             <p14:sldId id="258"/>
+            <p14:sldId id="261"/>
+            <p14:sldId id="260"/>
+            <p14:sldId id="259"/>
           </p14:sldIdLst>
         </p14:section>
       </p14:sectionLst>
@@ -3655,7 +3661,7 @@
         <p:spPr>
           <a:xfrm>
             <a:off x="4495800" y="1981200"/>
-            <a:ext cx="762000" cy="369332"/>
+            <a:ext cx="762000" cy="461665"/>
           </a:xfrm>
           <a:prstGeom prst="rect">
             <a:avLst/>
@@ -3669,26 +3675,26 @@
           <a:lstStyle/>
           <a:p>
             <a:r>
-              <a:rPr lang="en-US" b="1" dirty="0" smtClean="0"/>
+              <a:rPr lang="en-US" sz="2400" b="1" dirty="0" smtClean="0"/>
               <a:t>E</a:t>
             </a:r>
             <a:r>
-              <a:rPr lang="en-US" baseline="-25000" dirty="0" smtClean="0"/>
+              <a:rPr lang="en-US" sz="2400" baseline="-25000" dirty="0" smtClean="0"/>
               <a:t>1</a:t>
             </a:r>
             <a:r>
-              <a:rPr lang="en-US" b="1" baseline="-25000" dirty="0" smtClean="0"/>
+              <a:rPr lang="en-US" sz="2400" b="1" baseline="-25000" dirty="0" smtClean="0"/>
               <a:t> </a:t>
             </a:r>
             <a:r>
-              <a:rPr lang="en-US" b="1" dirty="0" smtClean="0"/>
+              <a:rPr lang="en-US" sz="2400" b="1" dirty="0" smtClean="0"/>
               <a:t> J</a:t>
             </a:r>
             <a:r>
-              <a:rPr lang="en-US" b="1" baseline="-25000" dirty="0" smtClean="0"/>
+              <a:rPr lang="en-US" sz="2400" b="1" baseline="-25000" dirty="0" smtClean="0"/>
               <a:t>1   </a:t>
             </a:r>
-            <a:endParaRPr lang="en-US" b="1" dirty="0"/>
+            <a:endParaRPr lang="en-US" sz="2400" b="1" dirty="0"/>
           </a:p>
         </p:txBody>
       </p:sp>
@@ -3701,7 +3707,7 @@
         <p:spPr>
           <a:xfrm>
             <a:off x="4495800" y="2983468"/>
-            <a:ext cx="762000" cy="369332"/>
+            <a:ext cx="762000" cy="461665"/>
           </a:xfrm>
           <a:prstGeom prst="rect">
             <a:avLst/>
@@ -3715,26 +3721,26 @@
           <a:lstStyle/>
           <a:p>
             <a:r>
-              <a:rPr lang="en-US" b="1" dirty="0" smtClean="0"/>
+              <a:rPr lang="en-US" sz="2400" b="1" dirty="0" smtClean="0"/>
               <a:t>E</a:t>
             </a:r>
             <a:r>
-              <a:rPr lang="en-US" baseline="-25000" dirty="0"/>
+              <a:rPr lang="en-US" sz="2400" baseline="-25000" dirty="0"/>
               <a:t>2</a:t>
             </a:r>
             <a:r>
-              <a:rPr lang="en-US" b="1" baseline="-25000" dirty="0" smtClean="0"/>
+              <a:rPr lang="en-US" sz="2400" b="1" baseline="-25000" dirty="0" smtClean="0"/>
               <a:t> </a:t>
             </a:r>
             <a:r>
-              <a:rPr lang="en-US" b="1" dirty="0" smtClean="0"/>
+              <a:rPr lang="en-US" sz="2400" b="1" dirty="0" smtClean="0"/>
               <a:t> J</a:t>
             </a:r>
             <a:r>
-              <a:rPr lang="en-US" b="1" baseline="-25000" dirty="0" smtClean="0"/>
+              <a:rPr lang="en-US" sz="2400" b="1" baseline="-25000" dirty="0" smtClean="0"/>
               <a:t>2   </a:t>
             </a:r>
-            <a:endParaRPr lang="en-US" b="1" dirty="0"/>
+            <a:endParaRPr lang="en-US" sz="2400" b="1" dirty="0"/>
           </a:p>
         </p:txBody>
       </p:sp>
@@ -3776,8 +3782,8 @@
         </p:nvCxnSpPr>
         <p:spPr>
           <a:xfrm>
-            <a:off x="1066800" y="2819400"/>
-            <a:ext cx="6096000" cy="0"/>
+            <a:off x="3581400" y="2819400"/>
+            <a:ext cx="2743200" cy="4465"/>
           </a:xfrm>
           <a:prstGeom prst="line">
             <a:avLst/>
@@ -3811,8 +3817,8 @@
         </p:nvCxnSpPr>
         <p:spPr>
           <a:xfrm>
-            <a:off x="3962400" y="1981200"/>
-            <a:ext cx="0" cy="1600200"/>
+            <a:off x="3962400" y="2209800"/>
+            <a:ext cx="0" cy="533400"/>
           </a:xfrm>
           <a:prstGeom prst="straightConnector1">
             <a:avLst/>
@@ -3839,16 +3845,52 @@
           </a:fontRef>
         </p:style>
       </p:cxnSp>
-      <p:sp>
-        <p:nvSpPr>
-          <p:cNvPr id="8" name="TextBox 7"/>
+      <p:cxnSp>
+        <p:nvCxnSpPr>
+          <p:cNvPr id="11" name="Straight Arrow Connector 10"/>
+          <p:cNvCxnSpPr/>
+          <p:nvPr/>
+        </p:nvCxnSpPr>
+        <p:spPr>
+          <a:xfrm>
+            <a:off x="3962400" y="2895600"/>
+            <a:ext cx="0" cy="533400"/>
+          </a:xfrm>
+          <a:prstGeom prst="straightConnector1">
+            <a:avLst/>
+          </a:prstGeom>
+          <a:ln w="25400">
+            <a:solidFill>
+              <a:schemeClr val="tx1"/>
+            </a:solidFill>
+            <a:tailEnd type="arrow"/>
+          </a:ln>
+        </p:spPr>
+        <p:style>
+          <a:lnRef idx="1">
+            <a:schemeClr val="accent1"/>
+          </a:lnRef>
+          <a:fillRef idx="0">
+            <a:schemeClr val="accent1"/>
+          </a:fillRef>
+          <a:effectRef idx="0">
+            <a:schemeClr val="accent1"/>
+          </a:effectRef>
+          <a:fontRef idx="minor">
+            <a:schemeClr val="tx1"/>
+          </a:fontRef>
+        </p:style>
+      </p:cxnSp>
+      <p:sp>
+        <p:nvSpPr>
+          <p:cNvPr id="13" name="TextBox 12"/>
           <p:cNvSpPr txBox="1"/>
           <p:nvPr/>
         </p:nvSpPr>
         <p:spPr>
           <a:xfrm>
-            <a:off x="4495800" y="1981200"/>
-            <a:ext cx="381000" cy="369332"/>
+            <a:off x="3657600" y="1752600"/>
+            <a:ext cx="762000" cy="461665"/>
           </a:xfrm>
           <a:prstGeom prst="rect">
             <a:avLst/>
@@ -3862,14 +3904,132 @@
           <a:lstStyle/>
           <a:p>
             <a:r>
-              <a:rPr lang="en-US" b="1" dirty="0" smtClean="0"/>
-              <a:t>J</a:t>
-            </a:r>
-            <a:r>
-              <a:rPr lang="en-US" b="1" baseline="-25000" dirty="0" smtClean="0"/>
-              <a:t>1   </a:t>
-            </a:r>
-            <a:endParaRPr lang="en-US" b="1" dirty="0"/>
+              <a:rPr lang="en-US" sz="2400" b="1" dirty="0" smtClean="0"/>
+              <a:t>E</a:t>
+            </a:r>
+            <a:r>
+              <a:rPr lang="en-US" sz="2400" baseline="-25000" dirty="0" smtClean="0"/>
+              <a:t>1n</a:t>
+            </a:r>
+            <a:r>
+              <a:rPr lang="en-US" sz="2400" b="1" baseline="-25000" dirty="0" smtClean="0"/>
+              <a:t>    </a:t>
+            </a:r>
+            <a:endParaRPr lang="en-US" sz="2400" b="1" dirty="0"/>
+          </a:p>
+        </p:txBody>
+      </p:sp>
+      <p:sp>
+        <p:nvSpPr>
+          <p:cNvPr id="14" name="TextBox 13"/>
+          <p:cNvSpPr txBox="1"/>
+          <p:nvPr/>
+        </p:nvSpPr>
+        <p:spPr>
+          <a:xfrm>
+            <a:off x="3657600" y="3429000"/>
+            <a:ext cx="762000" cy="461665"/>
+          </a:xfrm>
+          <a:prstGeom prst="rect">
+            <a:avLst/>
+          </a:prstGeom>
+          <a:noFill/>
+        </p:spPr>
+        <p:txBody>
+          <a:bodyPr wrap="square" rtlCol="0">
+            <a:spAutoFit/>
+          </a:bodyPr>
+          <a:lstStyle/>
+          <a:p>
+            <a:r>
+              <a:rPr lang="en-US" sz="2400" b="1" dirty="0" smtClean="0"/>
+              <a:t>E</a:t>
+            </a:r>
+            <a:r>
+              <a:rPr lang="en-US" sz="2400" baseline="-25000" dirty="0" smtClean="0"/>
+              <a:t>2n</a:t>
+            </a:r>
+            <a:r>
+              <a:rPr lang="en-US" sz="2400" b="1" baseline="-25000" dirty="0" smtClean="0"/>
+              <a:t>    </a:t>
+            </a:r>
+            <a:endParaRPr lang="en-US" sz="2400" b="1" dirty="0"/>
+          </a:p>
+        </p:txBody>
+      </p:sp>
+      <p:sp>
+        <p:nvSpPr>
+          <p:cNvPr id="15" name="TextBox 14"/>
+          <p:cNvSpPr txBox="1"/>
+          <p:nvPr/>
+        </p:nvSpPr>
+        <p:spPr>
+          <a:xfrm>
+            <a:off x="4267200" y="2205335"/>
+            <a:ext cx="1759521" cy="461665"/>
+          </a:xfrm>
+          <a:prstGeom prst="rect">
+            <a:avLst/>
+          </a:prstGeom>
+          <a:noFill/>
+        </p:spPr>
+        <p:txBody>
+          <a:bodyPr wrap="none" rtlCol="0">
+            <a:spAutoFit/>
+          </a:bodyPr>
+          <a:lstStyle/>
+          <a:p>
+            <a:r>
+              <a:rPr lang="el-GR" sz="2400" dirty="0" smtClean="0"/>
+              <a:t>σ</a:t>
+            </a:r>
+            <a:r>
+              <a:rPr lang="en-US" sz="2400" baseline="-25000" dirty="0" smtClean="0"/>
+              <a:t>1  </a:t>
+            </a:r>
+            <a:r>
+              <a:rPr lang="en-US" sz="2400" dirty="0" smtClean="0"/>
+              <a:t>(resistive)</a:t>
+            </a:r>
+            <a:endParaRPr lang="en-US" sz="2400" dirty="0"/>
+          </a:p>
+        </p:txBody>
+      </p:sp>
+      <p:sp>
+        <p:nvSpPr>
+          <p:cNvPr id="16" name="TextBox 15"/>
+          <p:cNvSpPr txBox="1"/>
+          <p:nvPr/>
+        </p:nvSpPr>
+        <p:spPr>
+          <a:xfrm>
+            <a:off x="4267200" y="3043535"/>
+            <a:ext cx="2099486" cy="461665"/>
+          </a:xfrm>
+          <a:prstGeom prst="rect">
+            <a:avLst/>
+          </a:prstGeom>
+          <a:noFill/>
+        </p:spPr>
+        <p:txBody>
+          <a:bodyPr wrap="none" rtlCol="0">
+            <a:spAutoFit/>
+          </a:bodyPr>
+          <a:lstStyle/>
+          <a:p>
+            <a:r>
+              <a:rPr lang="el-GR" sz="2400" dirty="0" smtClean="0"/>
+              <a:t>σ</a:t>
+            </a:r>
+            <a:r>
+              <a:rPr lang="en-US" sz="2400" baseline="-25000" dirty="0" smtClean="0"/>
+              <a:t>2  </a:t>
+            </a:r>
+            <a:r>
+              <a:rPr lang="en-US" sz="2400" dirty="0" smtClean="0"/>
+              <a:t>(conductive)</a:t>
+            </a:r>
+            <a:endParaRPr lang="en-US" sz="2400" dirty="0"/>
           </a:p>
         </p:txBody>
       </p:sp>
@@ -3877,6 +4037,633 @@
     <p:extLst>
       <p:ext uri="{BB962C8B-B14F-4D97-AF65-F5344CB8AC3E}">
         <p14:creationId xmlns:p14="http://schemas.microsoft.com/office/powerpoint/2010/main" val="3191678701"/>
+      </p:ext>
+    </p:extLst>
+  </p:cSld>
+  <p:clrMapOvr>
+    <a:masterClrMapping/>
+  </p:clrMapOvr>
+</p:sld>
+</file>
+
+<file path=ppt/slides/slide4.xml><?xml version="1.0" encoding="utf-8"?>
+<p:sld xmlns:a="http://schemas.openxmlformats.org/drawingml/2006/main" xmlns:r="http://schemas.openxmlformats.org/officeDocument/2006/relationships" xmlns:p="http://schemas.openxmlformats.org/presentationml/2006/main">
+  <p:cSld>
+    <p:spTree>
+      <p:nvGrpSpPr>
+        <p:cNvPr id="1" name=""/>
+        <p:cNvGrpSpPr/>
+        <p:nvPr/>
+      </p:nvGrpSpPr>
+      <p:grpSpPr>
+        <a:xfrm>
+          <a:off x="0" y="0"/>
+          <a:ext cx="0" cy="0"/>
+          <a:chOff x="0" y="0"/>
+          <a:chExt cx="0" cy="0"/>
+        </a:xfrm>
+      </p:grpSpPr>
+      <p:cxnSp>
+        <p:nvCxnSpPr>
+          <p:cNvPr id="12" name="Straight Connector 11"/>
+          <p:cNvCxnSpPr/>
+          <p:nvPr/>
+        </p:nvCxnSpPr>
+        <p:spPr>
+          <a:xfrm>
+            <a:off x="3581400" y="2819400"/>
+            <a:ext cx="2743200" cy="4465"/>
+          </a:xfrm>
+          <a:prstGeom prst="line">
+            <a:avLst/>
+          </a:prstGeom>
+          <a:ln w="25400">
+            <a:solidFill>
+              <a:schemeClr val="tx1"/>
+            </a:solidFill>
+          </a:ln>
+        </p:spPr>
+        <p:style>
+          <a:lnRef idx="1">
+            <a:schemeClr val="accent1"/>
+          </a:lnRef>
+          <a:fillRef idx="0">
+            <a:schemeClr val="accent1"/>
+          </a:fillRef>
+          <a:effectRef idx="0">
+            <a:schemeClr val="accent1"/>
+          </a:effectRef>
+          <a:fontRef idx="minor">
+            <a:schemeClr val="tx1"/>
+          </a:fontRef>
+        </p:style>
+      </p:cxnSp>
+      <p:cxnSp>
+        <p:nvCxnSpPr>
+          <p:cNvPr id="6" name="Straight Arrow Connector 5"/>
+          <p:cNvCxnSpPr/>
+          <p:nvPr/>
+        </p:nvCxnSpPr>
+        <p:spPr>
+          <a:xfrm>
+            <a:off x="3962400" y="2209800"/>
+            <a:ext cx="0" cy="533400"/>
+          </a:xfrm>
+          <a:prstGeom prst="straightConnector1">
+            <a:avLst/>
+          </a:prstGeom>
+          <a:ln w="25400">
+            <a:solidFill>
+              <a:schemeClr val="tx1"/>
+            </a:solidFill>
+            <a:tailEnd type="arrow"/>
+          </a:ln>
+        </p:spPr>
+        <p:style>
+          <a:lnRef idx="1">
+            <a:schemeClr val="accent1"/>
+          </a:lnRef>
+          <a:fillRef idx="0">
+            <a:schemeClr val="accent1"/>
+          </a:fillRef>
+          <a:effectRef idx="0">
+            <a:schemeClr val="accent1"/>
+          </a:effectRef>
+          <a:fontRef idx="minor">
+            <a:schemeClr val="tx1"/>
+          </a:fontRef>
+        </p:style>
+      </p:cxnSp>
+      <p:cxnSp>
+        <p:nvCxnSpPr>
+          <p:cNvPr id="11" name="Straight Arrow Connector 10"/>
+          <p:cNvCxnSpPr/>
+          <p:nvPr/>
+        </p:nvCxnSpPr>
+        <p:spPr>
+          <a:xfrm>
+            <a:off x="3962400" y="2895600"/>
+            <a:ext cx="0" cy="533400"/>
+          </a:xfrm>
+          <a:prstGeom prst="straightConnector1">
+            <a:avLst/>
+          </a:prstGeom>
+          <a:ln w="25400">
+            <a:solidFill>
+              <a:schemeClr val="tx1"/>
+            </a:solidFill>
+            <a:tailEnd type="arrow"/>
+          </a:ln>
+        </p:spPr>
+        <p:style>
+          <a:lnRef idx="1">
+            <a:schemeClr val="accent1"/>
+          </a:lnRef>
+          <a:fillRef idx="0">
+            <a:schemeClr val="accent1"/>
+          </a:fillRef>
+          <a:effectRef idx="0">
+            <a:schemeClr val="accent1"/>
+          </a:effectRef>
+          <a:fontRef idx="minor">
+            <a:schemeClr val="tx1"/>
+          </a:fontRef>
+        </p:style>
+      </p:cxnSp>
+      <p:sp>
+        <p:nvSpPr>
+          <p:cNvPr id="13" name="TextBox 12"/>
+          <p:cNvSpPr txBox="1"/>
+          <p:nvPr/>
+        </p:nvSpPr>
+        <p:spPr>
+          <a:xfrm>
+            <a:off x="3657600" y="1752600"/>
+            <a:ext cx="762000" cy="461665"/>
+          </a:xfrm>
+          <a:prstGeom prst="rect">
+            <a:avLst/>
+          </a:prstGeom>
+          <a:noFill/>
+        </p:spPr>
+        <p:txBody>
+          <a:bodyPr wrap="square" rtlCol="0">
+            <a:spAutoFit/>
+          </a:bodyPr>
+          <a:lstStyle/>
+          <a:p>
+            <a:r>
+              <a:rPr lang="en-US" sz="2400" b="1" dirty="0" smtClean="0"/>
+              <a:t>E</a:t>
+            </a:r>
+            <a:r>
+              <a:rPr lang="en-US" sz="2400" baseline="-25000" dirty="0" smtClean="0"/>
+              <a:t>1n</a:t>
+            </a:r>
+            <a:r>
+              <a:rPr lang="en-US" sz="2400" b="1" baseline="-25000" dirty="0" smtClean="0"/>
+              <a:t>    </a:t>
+            </a:r>
+            <a:endParaRPr lang="en-US" sz="2400" b="1" dirty="0"/>
+          </a:p>
+        </p:txBody>
+      </p:sp>
+      <p:sp>
+        <p:nvSpPr>
+          <p:cNvPr id="14" name="TextBox 13"/>
+          <p:cNvSpPr txBox="1"/>
+          <p:nvPr/>
+        </p:nvSpPr>
+        <p:spPr>
+          <a:xfrm>
+            <a:off x="3657600" y="3429000"/>
+            <a:ext cx="762000" cy="461665"/>
+          </a:xfrm>
+          <a:prstGeom prst="rect">
+            <a:avLst/>
+          </a:prstGeom>
+          <a:noFill/>
+        </p:spPr>
+        <p:txBody>
+          <a:bodyPr wrap="square" rtlCol="0">
+            <a:spAutoFit/>
+          </a:bodyPr>
+          <a:lstStyle/>
+          <a:p>
+            <a:r>
+              <a:rPr lang="en-US" sz="2400" b="1" dirty="0" smtClean="0"/>
+              <a:t>E</a:t>
+            </a:r>
+            <a:r>
+              <a:rPr lang="en-US" sz="2400" baseline="-25000" dirty="0" smtClean="0"/>
+              <a:t>2n</a:t>
+            </a:r>
+            <a:r>
+              <a:rPr lang="en-US" sz="2400" b="1" baseline="-25000" dirty="0" smtClean="0"/>
+              <a:t>    </a:t>
+            </a:r>
+            <a:endParaRPr lang="en-US" sz="2400" b="1" dirty="0"/>
+          </a:p>
+        </p:txBody>
+      </p:sp>
+      <p:sp>
+        <p:nvSpPr>
+          <p:cNvPr id="15" name="TextBox 14"/>
+          <p:cNvSpPr txBox="1"/>
+          <p:nvPr/>
+        </p:nvSpPr>
+        <p:spPr>
+          <a:xfrm>
+            <a:off x="4267200" y="2205335"/>
+            <a:ext cx="2099486" cy="461665"/>
+          </a:xfrm>
+          <a:prstGeom prst="rect">
+            <a:avLst/>
+          </a:prstGeom>
+          <a:noFill/>
+        </p:spPr>
+        <p:txBody>
+          <a:bodyPr wrap="none" rtlCol="0">
+            <a:spAutoFit/>
+          </a:bodyPr>
+          <a:lstStyle/>
+          <a:p>
+            <a:r>
+              <a:rPr lang="el-GR" sz="2400" dirty="0" smtClean="0"/>
+              <a:t>σ</a:t>
+            </a:r>
+            <a:r>
+              <a:rPr lang="en-US" sz="2400" baseline="-25000" dirty="0" smtClean="0"/>
+              <a:t>1  </a:t>
+            </a:r>
+            <a:r>
+              <a:rPr lang="en-US" sz="2400" dirty="0" smtClean="0"/>
+              <a:t>(conductive)</a:t>
+            </a:r>
+            <a:endParaRPr lang="en-US" sz="2400" dirty="0"/>
+          </a:p>
+        </p:txBody>
+      </p:sp>
+      <p:sp>
+        <p:nvSpPr>
+          <p:cNvPr id="16" name="TextBox 15"/>
+          <p:cNvSpPr txBox="1"/>
+          <p:nvPr/>
+        </p:nvSpPr>
+        <p:spPr>
+          <a:xfrm>
+            <a:off x="4267200" y="3043535"/>
+            <a:ext cx="1759521" cy="461665"/>
+          </a:xfrm>
+          <a:prstGeom prst="rect">
+            <a:avLst/>
+          </a:prstGeom>
+          <a:noFill/>
+        </p:spPr>
+        <p:txBody>
+          <a:bodyPr wrap="none" rtlCol="0">
+            <a:spAutoFit/>
+          </a:bodyPr>
+          <a:lstStyle/>
+          <a:p>
+            <a:r>
+              <a:rPr lang="el-GR" sz="2400" dirty="0" smtClean="0"/>
+              <a:t>σ</a:t>
+            </a:r>
+            <a:r>
+              <a:rPr lang="en-US" sz="2400" baseline="-25000" dirty="0" smtClean="0"/>
+              <a:t>2  </a:t>
+            </a:r>
+            <a:r>
+              <a:rPr lang="en-US" sz="2400" dirty="0" smtClean="0"/>
+              <a:t>(resistive)</a:t>
+            </a:r>
+            <a:endParaRPr lang="en-US" sz="2400" dirty="0"/>
+          </a:p>
+        </p:txBody>
+      </p:sp>
+    </p:spTree>
+    <p:extLst>
+      <p:ext uri="{BB962C8B-B14F-4D97-AF65-F5344CB8AC3E}">
+        <p14:creationId xmlns:p14="http://schemas.microsoft.com/office/powerpoint/2010/main" val="3407831405"/>
+      </p:ext>
+    </p:extLst>
+  </p:cSld>
+  <p:clrMapOvr>
+    <a:masterClrMapping/>
+  </p:clrMapOvr>
+</p:sld>
+</file>
+
+<file path=ppt/slides/slide5.xml><?xml version="1.0" encoding="utf-8"?>
+<p:sld xmlns:a="http://schemas.openxmlformats.org/drawingml/2006/main" xmlns:r="http://schemas.openxmlformats.org/officeDocument/2006/relationships" xmlns:p="http://schemas.openxmlformats.org/presentationml/2006/main">
+  <p:cSld>
+    <p:spTree>
+      <p:nvGrpSpPr>
+        <p:cNvPr id="1" name=""/>
+        <p:cNvGrpSpPr/>
+        <p:nvPr/>
+      </p:nvGrpSpPr>
+      <p:grpSpPr>
+        <a:xfrm>
+          <a:off x="0" y="0"/>
+          <a:ext cx="0" cy="0"/>
+          <a:chOff x="0" y="0"/>
+          <a:chExt cx="0" cy="0"/>
+        </a:xfrm>
+      </p:grpSpPr>
+      <p:cxnSp>
+        <p:nvCxnSpPr>
+          <p:cNvPr id="12" name="Straight Connector 11"/>
+          <p:cNvCxnSpPr/>
+          <p:nvPr/>
+        </p:nvCxnSpPr>
+        <p:spPr>
+          <a:xfrm>
+            <a:off x="3581400" y="2819400"/>
+            <a:ext cx="2743200" cy="4465"/>
+          </a:xfrm>
+          <a:prstGeom prst="line">
+            <a:avLst/>
+          </a:prstGeom>
+          <a:ln w="25400">
+            <a:solidFill>
+              <a:schemeClr val="tx1"/>
+            </a:solidFill>
+          </a:ln>
+        </p:spPr>
+        <p:style>
+          <a:lnRef idx="1">
+            <a:schemeClr val="accent1"/>
+          </a:lnRef>
+          <a:fillRef idx="0">
+            <a:schemeClr val="accent1"/>
+          </a:fillRef>
+          <a:effectRef idx="0">
+            <a:schemeClr val="accent1"/>
+          </a:effectRef>
+          <a:fontRef idx="minor">
+            <a:schemeClr val="tx1"/>
+          </a:fontRef>
+        </p:style>
+      </p:cxnSp>
+      <p:cxnSp>
+        <p:nvCxnSpPr>
+          <p:cNvPr id="6" name="Straight Arrow Connector 5"/>
+          <p:cNvCxnSpPr/>
+          <p:nvPr/>
+        </p:nvCxnSpPr>
+        <p:spPr>
+          <a:xfrm>
+            <a:off x="3962400" y="1981200"/>
+            <a:ext cx="0" cy="1600200"/>
+          </a:xfrm>
+          <a:prstGeom prst="straightConnector1">
+            <a:avLst/>
+          </a:prstGeom>
+          <a:ln w="25400">
+            <a:solidFill>
+              <a:schemeClr val="tx1"/>
+            </a:solidFill>
+            <a:tailEnd type="arrow"/>
+          </a:ln>
+        </p:spPr>
+        <p:style>
+          <a:lnRef idx="1">
+            <a:schemeClr val="accent1"/>
+          </a:lnRef>
+          <a:fillRef idx="0">
+            <a:schemeClr val="accent1"/>
+          </a:fillRef>
+          <a:effectRef idx="0">
+            <a:schemeClr val="accent1"/>
+          </a:effectRef>
+          <a:fontRef idx="minor">
+            <a:schemeClr val="tx1"/>
+          </a:fontRef>
+        </p:style>
+      </p:cxnSp>
+      <p:sp>
+        <p:nvSpPr>
+          <p:cNvPr id="8" name="TextBox 7"/>
+          <p:cNvSpPr txBox="1"/>
+          <p:nvPr/>
+        </p:nvSpPr>
+        <p:spPr>
+          <a:xfrm>
+            <a:off x="3810000" y="3733800"/>
+            <a:ext cx="685800" cy="461665"/>
+          </a:xfrm>
+          <a:prstGeom prst="rect">
+            <a:avLst/>
+          </a:prstGeom>
+          <a:noFill/>
+        </p:spPr>
+        <p:txBody>
+          <a:bodyPr wrap="square" rtlCol="0">
+            <a:spAutoFit/>
+          </a:bodyPr>
+          <a:lstStyle/>
+          <a:p>
+            <a:r>
+              <a:rPr lang="en-US" sz="2400" b="1" dirty="0" err="1" smtClean="0"/>
+              <a:t>J</a:t>
+            </a:r>
+            <a:r>
+              <a:rPr lang="en-US" sz="2400" b="1" baseline="-25000" dirty="0" err="1"/>
+              <a:t>n</a:t>
+            </a:r>
+            <a:r>
+              <a:rPr lang="en-US" sz="2400" b="1" baseline="-25000" dirty="0" smtClean="0"/>
+              <a:t>   </a:t>
+            </a:r>
+            <a:endParaRPr lang="en-US" sz="2400" b="1" dirty="0"/>
+          </a:p>
+        </p:txBody>
+      </p:sp>
+      <p:sp>
+        <p:nvSpPr>
+          <p:cNvPr id="3" name="TextBox 2"/>
+          <p:cNvSpPr txBox="1"/>
+          <p:nvPr/>
+        </p:nvSpPr>
+        <p:spPr>
+          <a:xfrm>
+            <a:off x="4343400" y="2362200"/>
+            <a:ext cx="2514600" cy="461665"/>
+          </a:xfrm>
+          <a:prstGeom prst="rect">
+            <a:avLst/>
+          </a:prstGeom>
+          <a:noFill/>
+        </p:spPr>
+        <p:txBody>
+          <a:bodyPr wrap="square" rtlCol="0">
+            <a:spAutoFit/>
+          </a:bodyPr>
+          <a:lstStyle/>
+          <a:p>
+            <a:r>
+              <a:rPr lang="en-US" sz="2400" dirty="0" smtClean="0"/>
+              <a:t>-  -  -  -  -  -  - </a:t>
+            </a:r>
+            <a:endParaRPr lang="en-US" sz="2400" dirty="0"/>
+          </a:p>
+        </p:txBody>
+      </p:sp>
+    </p:spTree>
+    <p:extLst>
+      <p:ext uri="{BB962C8B-B14F-4D97-AF65-F5344CB8AC3E}">
+        <p14:creationId xmlns:p14="http://schemas.microsoft.com/office/powerpoint/2010/main" val="2795619117"/>
+      </p:ext>
+    </p:extLst>
+  </p:cSld>
+  <p:clrMapOvr>
+    <a:masterClrMapping/>
+  </p:clrMapOvr>
+</p:sld>
+</file>
+
+<file path=ppt/slides/slide6.xml><?xml version="1.0" encoding="utf-8"?>
+<p:sld xmlns:a="http://schemas.openxmlformats.org/drawingml/2006/main" xmlns:r="http://schemas.openxmlformats.org/officeDocument/2006/relationships" xmlns:p="http://schemas.openxmlformats.org/presentationml/2006/main">
+  <p:cSld>
+    <p:spTree>
+      <p:nvGrpSpPr>
+        <p:cNvPr id="1" name=""/>
+        <p:cNvGrpSpPr/>
+        <p:nvPr/>
+      </p:nvGrpSpPr>
+      <p:grpSpPr>
+        <a:xfrm>
+          <a:off x="0" y="0"/>
+          <a:ext cx="0" cy="0"/>
+          <a:chOff x="0" y="0"/>
+          <a:chExt cx="0" cy="0"/>
+        </a:xfrm>
+      </p:grpSpPr>
+      <p:cxnSp>
+        <p:nvCxnSpPr>
+          <p:cNvPr id="12" name="Straight Connector 11"/>
+          <p:cNvCxnSpPr/>
+          <p:nvPr/>
+        </p:nvCxnSpPr>
+        <p:spPr>
+          <a:xfrm>
+            <a:off x="3581400" y="2819400"/>
+            <a:ext cx="2743200" cy="4465"/>
+          </a:xfrm>
+          <a:prstGeom prst="line">
+            <a:avLst/>
+          </a:prstGeom>
+          <a:ln w="25400">
+            <a:solidFill>
+              <a:schemeClr val="tx1"/>
+            </a:solidFill>
+          </a:ln>
+        </p:spPr>
+        <p:style>
+          <a:lnRef idx="1">
+            <a:schemeClr val="accent1"/>
+          </a:lnRef>
+          <a:fillRef idx="0">
+            <a:schemeClr val="accent1"/>
+          </a:fillRef>
+          <a:effectRef idx="0">
+            <a:schemeClr val="accent1"/>
+          </a:effectRef>
+          <a:fontRef idx="minor">
+            <a:schemeClr val="tx1"/>
+          </a:fontRef>
+        </p:style>
+      </p:cxnSp>
+      <p:cxnSp>
+        <p:nvCxnSpPr>
+          <p:cNvPr id="6" name="Straight Arrow Connector 5"/>
+          <p:cNvCxnSpPr/>
+          <p:nvPr/>
+        </p:nvCxnSpPr>
+        <p:spPr>
+          <a:xfrm>
+            <a:off x="3962400" y="1981200"/>
+            <a:ext cx="0" cy="1600200"/>
+          </a:xfrm>
+          <a:prstGeom prst="straightConnector1">
+            <a:avLst/>
+          </a:prstGeom>
+          <a:ln w="25400">
+            <a:solidFill>
+              <a:schemeClr val="tx1"/>
+            </a:solidFill>
+            <a:tailEnd type="arrow"/>
+          </a:ln>
+        </p:spPr>
+        <p:style>
+          <a:lnRef idx="1">
+            <a:schemeClr val="accent1"/>
+          </a:lnRef>
+          <a:fillRef idx="0">
+            <a:schemeClr val="accent1"/>
+          </a:fillRef>
+          <a:effectRef idx="0">
+            <a:schemeClr val="accent1"/>
+          </a:effectRef>
+          <a:fontRef idx="minor">
+            <a:schemeClr val="tx1"/>
+          </a:fontRef>
+        </p:style>
+      </p:cxnSp>
+      <p:sp>
+        <p:nvSpPr>
+          <p:cNvPr id="8" name="TextBox 7"/>
+          <p:cNvSpPr txBox="1"/>
+          <p:nvPr/>
+        </p:nvSpPr>
+        <p:spPr>
+          <a:xfrm>
+            <a:off x="3810000" y="3733800"/>
+            <a:ext cx="685800" cy="461665"/>
+          </a:xfrm>
+          <a:prstGeom prst="rect">
+            <a:avLst/>
+          </a:prstGeom>
+          <a:noFill/>
+        </p:spPr>
+        <p:txBody>
+          <a:bodyPr wrap="square" rtlCol="0">
+            <a:spAutoFit/>
+          </a:bodyPr>
+          <a:lstStyle/>
+          <a:p>
+            <a:r>
+              <a:rPr lang="en-US" sz="2400" b="1" dirty="0" err="1" smtClean="0"/>
+              <a:t>J</a:t>
+            </a:r>
+            <a:r>
+              <a:rPr lang="en-US" sz="2400" b="1" baseline="-25000" dirty="0" err="1"/>
+              <a:t>n</a:t>
+            </a:r>
+            <a:r>
+              <a:rPr lang="en-US" sz="2400" b="1" baseline="-25000" dirty="0" smtClean="0"/>
+              <a:t>   </a:t>
+            </a:r>
+            <a:endParaRPr lang="en-US" sz="2400" b="1" dirty="0"/>
+          </a:p>
+        </p:txBody>
+      </p:sp>
+      <p:sp>
+        <p:nvSpPr>
+          <p:cNvPr id="3" name="TextBox 2"/>
+          <p:cNvSpPr txBox="1"/>
+          <p:nvPr/>
+        </p:nvSpPr>
+        <p:spPr>
+          <a:xfrm>
+            <a:off x="4114800" y="2362200"/>
+            <a:ext cx="2514600" cy="461665"/>
+          </a:xfrm>
+          <a:prstGeom prst="rect">
+            <a:avLst/>
+          </a:prstGeom>
+          <a:noFill/>
+        </p:spPr>
+        <p:txBody>
+          <a:bodyPr wrap="square" rtlCol="0">
+            <a:spAutoFit/>
+          </a:bodyPr>
+          <a:lstStyle/>
+          <a:p>
+            <a:r>
+              <a:rPr lang="en-US" sz="2400" dirty="0" smtClean="0"/>
+              <a:t>+  +  +  +  +  +  + </a:t>
+            </a:r>
+            <a:endParaRPr lang="en-US" sz="2400" dirty="0"/>
+          </a:p>
+        </p:txBody>
+      </p:sp>
+    </p:spTree>
+    <p:extLst>
+      <p:ext uri="{BB962C8B-B14F-4D97-AF65-F5344CB8AC3E}">
+        <p14:creationId xmlns:p14="http://schemas.microsoft.com/office/powerpoint/2010/main" val="710236560"/>
       </p:ext>
     </p:extLst>
   </p:cSld>

--- a/content/maxwell1_fundamentals/fundamental_laws/images/BC.pptx
+++ b/content/maxwell1_fundamentals/fundamental_laws/images/BC.pptx
@@ -3255,7 +3255,7 @@
         <p:spPr>
           <a:xfrm>
             <a:off x="3857300" y="1940867"/>
-            <a:ext cx="362600" cy="461665"/>
+            <a:ext cx="325730" cy="461665"/>
           </a:xfrm>
           <a:prstGeom prst="rect">
             <a:avLst/>
@@ -3269,8 +3269,8 @@
           <a:lstStyle/>
           <a:p>
             <a:r>
-              <a:rPr lang="en-US" sz="2400" dirty="0" smtClean="0"/>
-              <a:t>A</a:t>
+              <a:rPr lang="en-US" sz="2400" smtClean="0"/>
+              <a:t>S</a:t>
             </a:r>
             <a:endParaRPr lang="en-US" sz="2400" dirty="0"/>
           </a:p>

--- a/content/maxwell1_fundamentals/fundamental_laws/images/BC.pptx
+++ b/content/maxwell1_fundamentals/fundamental_laws/images/BC.pptx
@@ -314,7 +314,7 @@
             <a:fld id="{1D8BD707-D9CF-40AE-B4C6-C98DA3205C09}" type="datetimeFigureOut">
               <a:rPr lang="en-US" smtClean="0"/>
               <a:pPr/>
-              <a:t>11/9/2015</a:t>
+              <a:t>11/23/2015</a:t>
             </a:fld>
             <a:endParaRPr lang="en-US"/>
           </a:p>
@@ -481,7 +481,7 @@
             <a:fld id="{1D8BD707-D9CF-40AE-B4C6-C98DA3205C09}" type="datetimeFigureOut">
               <a:rPr lang="en-US" smtClean="0"/>
               <a:pPr/>
-              <a:t>11/9/2015</a:t>
+              <a:t>11/23/2015</a:t>
             </a:fld>
             <a:endParaRPr lang="en-US"/>
           </a:p>
@@ -658,7 +658,7 @@
             <a:fld id="{1D8BD707-D9CF-40AE-B4C6-C98DA3205C09}" type="datetimeFigureOut">
               <a:rPr lang="en-US" smtClean="0"/>
               <a:pPr/>
-              <a:t>11/9/2015</a:t>
+              <a:t>11/23/2015</a:t>
             </a:fld>
             <a:endParaRPr lang="en-US"/>
           </a:p>
@@ -825,7 +825,7 @@
             <a:fld id="{1D8BD707-D9CF-40AE-B4C6-C98DA3205C09}" type="datetimeFigureOut">
               <a:rPr lang="en-US" smtClean="0"/>
               <a:pPr/>
-              <a:t>11/9/2015</a:t>
+              <a:t>11/23/2015</a:t>
             </a:fld>
             <a:endParaRPr lang="en-US"/>
           </a:p>
@@ -1068,7 +1068,7 @@
             <a:fld id="{1D8BD707-D9CF-40AE-B4C6-C98DA3205C09}" type="datetimeFigureOut">
               <a:rPr lang="en-US" smtClean="0"/>
               <a:pPr/>
-              <a:t>11/9/2015</a:t>
+              <a:t>11/23/2015</a:t>
             </a:fld>
             <a:endParaRPr lang="en-US"/>
           </a:p>
@@ -1353,7 +1353,7 @@
             <a:fld id="{1D8BD707-D9CF-40AE-B4C6-C98DA3205C09}" type="datetimeFigureOut">
               <a:rPr lang="en-US" smtClean="0"/>
               <a:pPr/>
-              <a:t>11/9/2015</a:t>
+              <a:t>11/23/2015</a:t>
             </a:fld>
             <a:endParaRPr lang="en-US"/>
           </a:p>
@@ -1772,7 +1772,7 @@
             <a:fld id="{1D8BD707-D9CF-40AE-B4C6-C98DA3205C09}" type="datetimeFigureOut">
               <a:rPr lang="en-US" smtClean="0"/>
               <a:pPr/>
-              <a:t>11/9/2015</a:t>
+              <a:t>11/23/2015</a:t>
             </a:fld>
             <a:endParaRPr lang="en-US"/>
           </a:p>
@@ -1887,7 +1887,7 @@
             <a:fld id="{1D8BD707-D9CF-40AE-B4C6-C98DA3205C09}" type="datetimeFigureOut">
               <a:rPr lang="en-US" smtClean="0"/>
               <a:pPr/>
-              <a:t>11/9/2015</a:t>
+              <a:t>11/23/2015</a:t>
             </a:fld>
             <a:endParaRPr lang="en-US"/>
           </a:p>
@@ -1979,7 +1979,7 @@
             <a:fld id="{1D8BD707-D9CF-40AE-B4C6-C98DA3205C09}" type="datetimeFigureOut">
               <a:rPr lang="en-US" smtClean="0"/>
               <a:pPr/>
-              <a:t>11/9/2015</a:t>
+              <a:t>11/23/2015</a:t>
             </a:fld>
             <a:endParaRPr lang="en-US"/>
           </a:p>
@@ -2253,7 +2253,7 @@
             <a:fld id="{1D8BD707-D9CF-40AE-B4C6-C98DA3205C09}" type="datetimeFigureOut">
               <a:rPr lang="en-US" smtClean="0"/>
               <a:pPr/>
-              <a:t>11/9/2015</a:t>
+              <a:t>11/23/2015</a:t>
             </a:fld>
             <a:endParaRPr lang="en-US"/>
           </a:p>
@@ -2503,7 +2503,7 @@
             <a:fld id="{1D8BD707-D9CF-40AE-B4C6-C98DA3205C09}" type="datetimeFigureOut">
               <a:rPr lang="en-US" smtClean="0"/>
               <a:pPr/>
-              <a:t>11/9/2015</a:t>
+              <a:t>11/23/2015</a:t>
             </a:fld>
             <a:endParaRPr lang="en-US"/>
           </a:p>
@@ -2713,7 +2713,7 @@
             <a:fld id="{1D8BD707-D9CF-40AE-B4C6-C98DA3205C09}" type="datetimeFigureOut">
               <a:rPr lang="en-US" smtClean="0"/>
               <a:pPr/>
-              <a:t>11/9/2015</a:t>
+              <a:t>11/23/2015</a:t>
             </a:fld>
             <a:endParaRPr lang="en-US"/>
           </a:p>
@@ -3675,8 +3675,8 @@
           <a:lstStyle/>
           <a:p>
             <a:r>
-              <a:rPr lang="en-US" sz="2400" b="1" dirty="0" smtClean="0"/>
-              <a:t>E</a:t>
+              <a:rPr lang="en-US" sz="2400" b="1" dirty="0"/>
+              <a:t>e</a:t>
             </a:r>
             <a:r>
               <a:rPr lang="en-US" sz="2400" baseline="-25000" dirty="0" smtClean="0"/>
@@ -3688,7 +3688,11 @@
             </a:r>
             <a:r>
               <a:rPr lang="en-US" sz="2400" b="1" dirty="0" smtClean="0"/>
-              <a:t> J</a:t>
+              <a:t> </a:t>
+            </a:r>
+            <a:r>
+              <a:rPr lang="en-US" sz="2400" b="1" dirty="0"/>
+              <a:t>j</a:t>
             </a:r>
             <a:r>
               <a:rPr lang="en-US" sz="2400" b="1" baseline="-25000" dirty="0" smtClean="0"/>
@@ -3721,11 +3725,11 @@
           <a:lstStyle/>
           <a:p>
             <a:r>
-              <a:rPr lang="en-US" sz="2400" b="1" dirty="0" smtClean="0"/>
-              <a:t>E</a:t>
-            </a:r>
-            <a:r>
-              <a:rPr lang="en-US" sz="2400" baseline="-25000" dirty="0"/>
+              <a:rPr lang="en-US" sz="2400" b="1" dirty="0"/>
+              <a:t>e</a:t>
+            </a:r>
+            <a:r>
+              <a:rPr lang="en-US" sz="2400" baseline="-25000" dirty="0" smtClean="0"/>
               <a:t>2</a:t>
             </a:r>
             <a:r>
@@ -3734,7 +3738,11 @@
             </a:r>
             <a:r>
               <a:rPr lang="en-US" sz="2400" b="1" dirty="0" smtClean="0"/>
-              <a:t> J</a:t>
+              <a:t> </a:t>
+            </a:r>
+            <a:r>
+              <a:rPr lang="en-US" sz="2400" b="1" dirty="0"/>
+              <a:t>j</a:t>
             </a:r>
             <a:r>
               <a:rPr lang="en-US" sz="2400" b="1" baseline="-25000" dirty="0" smtClean="0"/>
@@ -3904,8 +3912,8 @@
           <a:lstStyle/>
           <a:p>
             <a:r>
-              <a:rPr lang="en-US" sz="2400" b="1" dirty="0" smtClean="0"/>
-              <a:t>E</a:t>
+              <a:rPr lang="en-US" sz="2400" b="1" dirty="0"/>
+              <a:t>e</a:t>
             </a:r>
             <a:r>
               <a:rPr lang="en-US" sz="2400" baseline="-25000" dirty="0" smtClean="0"/>
@@ -3942,8 +3950,8 @@
           <a:lstStyle/>
           <a:p>
             <a:r>
-              <a:rPr lang="en-US" sz="2400" b="1" dirty="0" smtClean="0"/>
-              <a:t>E</a:t>
+              <a:rPr lang="en-US" sz="2400" b="1" dirty="0"/>
+              <a:t>e</a:t>
             </a:r>
             <a:r>
               <a:rPr lang="en-US" sz="2400" baseline="-25000" dirty="0" smtClean="0"/>
@@ -4193,8 +4201,8 @@
           <a:lstStyle/>
           <a:p>
             <a:r>
-              <a:rPr lang="en-US" sz="2400" b="1" dirty="0" smtClean="0"/>
-              <a:t>E</a:t>
+              <a:rPr lang="en-US" sz="2400" b="1" dirty="0"/>
+              <a:t>e</a:t>
             </a:r>
             <a:r>
               <a:rPr lang="en-US" sz="2400" baseline="-25000" dirty="0" smtClean="0"/>
@@ -4231,8 +4239,8 @@
           <a:lstStyle/>
           <a:p>
             <a:r>
-              <a:rPr lang="en-US" sz="2400" b="1" dirty="0" smtClean="0"/>
-              <a:t>E</a:t>
+              <a:rPr lang="en-US" sz="2400" b="1" dirty="0"/>
+              <a:t>e</a:t>
             </a:r>
             <a:r>
               <a:rPr lang="en-US" sz="2400" baseline="-25000" dirty="0" smtClean="0"/>
@@ -4447,17 +4455,13 @@
           <a:p>
             <a:r>
               <a:rPr lang="en-US" sz="2400" b="1" dirty="0" err="1" smtClean="0"/>
-              <a:t>J</a:t>
-            </a:r>
-            <a:r>
-              <a:rPr lang="en-US" sz="2400" b="1" baseline="-25000" dirty="0" err="1"/>
+              <a:t>j</a:t>
+            </a:r>
+            <a:r>
+              <a:rPr lang="en-US" sz="2400" b="1" baseline="-25000" dirty="0" err="1" smtClean="0"/>
               <a:t>n</a:t>
             </a:r>
-            <a:r>
-              <a:rPr lang="en-US" sz="2400" b="1" baseline="-25000" dirty="0" smtClean="0"/>
-              <a:t>   </a:t>
-            </a:r>
-            <a:endParaRPr lang="en-US" sz="2400" b="1" dirty="0"/>
+            <a:endParaRPr lang="en-US" sz="2400" b="1" baseline="-25000" dirty="0"/>
           </a:p>
         </p:txBody>
       </p:sp>
@@ -4616,10 +4620,10 @@
           <a:p>
             <a:r>
               <a:rPr lang="en-US" sz="2400" b="1" dirty="0" err="1" smtClean="0"/>
-              <a:t>J</a:t>
-            </a:r>
-            <a:r>
-              <a:rPr lang="en-US" sz="2400" b="1" baseline="-25000" dirty="0" err="1"/>
+              <a:t>j</a:t>
+            </a:r>
+            <a:r>
+              <a:rPr lang="en-US" sz="2400" b="1" baseline="-25000" dirty="0" err="1" smtClean="0"/>
               <a:t>n</a:t>
             </a:r>
             <a:r>
